--- a/movie rating project.pptx
+++ b/movie rating project.pptx
@@ -120,7 +120,7 @@
   </p:defaultTextStyle>
   <p:extLst>
     <p:ext uri="{EFAFB233-063F-42B5-8137-9DF3F51BA10A}">
-      <p15:sldGuideLst xmlns:p15="http://schemas.microsoft.com/office/powerpoint/2012/main">
+      <p15:sldGuideLst xmlns:p15="http://schemas.microsoft.com/office/powerpoint/2012/main" xmlns="">
         <p15:guide id="1" orient="horz" pos="2160">
           <p15:clr>
             <a:srgbClr val="A4A3A4"/>
@@ -736,7 +736,7 @@
           <p:cNvPr id="8" name="Date Placeholder 7">
             <a:extLst>
               <a:ext uri="{FF2B5EF4-FFF2-40B4-BE49-F238E27FC236}">
-                <a16:creationId xmlns:a16="http://schemas.microsoft.com/office/drawing/2014/main" id="{7FA0ACE7-29A8-47D3-A7D9-257B711D8023}"/>
+                <a16:creationId xmlns:a16="http://schemas.microsoft.com/office/drawing/2014/main" xmlns="" id="{7FA0ACE7-29A8-47D3-A7D9-257B711D8023}"/>
               </a:ext>
             </a:extLst>
           </p:cNvPr>
@@ -766,7 +766,7 @@
           <p:cNvPr id="9" name="Footer Placeholder 8">
             <a:extLst>
               <a:ext uri="{FF2B5EF4-FFF2-40B4-BE49-F238E27FC236}">
-                <a16:creationId xmlns:a16="http://schemas.microsoft.com/office/drawing/2014/main" id="{DEC604B9-52E9-4810-8359-47206518D038}"/>
+                <a16:creationId xmlns:a16="http://schemas.microsoft.com/office/drawing/2014/main" xmlns="" id="{DEC604B9-52E9-4810-8359-47206518D038}"/>
               </a:ext>
             </a:extLst>
           </p:cNvPr>
@@ -799,7 +799,7 @@
           <p:cNvPr id="10" name="Slide Number Placeholder 9">
             <a:extLst>
               <a:ext uri="{FF2B5EF4-FFF2-40B4-BE49-F238E27FC236}">
-                <a16:creationId xmlns:a16="http://schemas.microsoft.com/office/drawing/2014/main" id="{5898A89F-CA25-400F-B05A-AECBF2517E4F}"/>
+                <a16:creationId xmlns:a16="http://schemas.microsoft.com/office/drawing/2014/main" xmlns="" id="{5898A89F-CA25-400F-B05A-AECBF2517E4F}"/>
               </a:ext>
             </a:extLst>
           </p:cNvPr>
@@ -1188,7 +1188,7 @@
           <p:cNvPr id="8" name="Rectangle 7">
             <a:extLst>
               <a:ext uri="{FF2B5EF4-FFF2-40B4-BE49-F238E27FC236}">
-                <a16:creationId xmlns:a16="http://schemas.microsoft.com/office/drawing/2014/main" id="{F6423B97-A5D4-47B9-8861-73B3707A04CF}"/>
+                <a16:creationId xmlns:a16="http://schemas.microsoft.com/office/drawing/2014/main" xmlns="" id="{F6423B97-A5D4-47B9-8861-73B3707A04CF}"/>
               </a:ext>
             </a:extLst>
           </p:cNvPr>
@@ -1231,7 +1231,7 @@
           <p:cNvPr id="9" name="Rectangle 8">
             <a:extLst>
               <a:ext uri="{FF2B5EF4-FFF2-40B4-BE49-F238E27FC236}">
-                <a16:creationId xmlns:a16="http://schemas.microsoft.com/office/drawing/2014/main" id="{1AEC0421-37B4-4481-A10D-69FDF5EC7909}"/>
+                <a16:creationId xmlns:a16="http://schemas.microsoft.com/office/drawing/2014/main" xmlns="" id="{1AEC0421-37B4-4481-A10D-69FDF5EC7909}"/>
               </a:ext>
             </a:extLst>
           </p:cNvPr>
@@ -1274,7 +1274,7 @@
           <p:cNvPr id="10" name="Rectangle 9">
             <a:extLst>
               <a:ext uri="{FF2B5EF4-FFF2-40B4-BE49-F238E27FC236}">
-                <a16:creationId xmlns:a16="http://schemas.microsoft.com/office/drawing/2014/main" id="{5F7265B5-9F97-4F1E-99E9-74F7B7E62337}"/>
+                <a16:creationId xmlns:a16="http://schemas.microsoft.com/office/drawing/2014/main" xmlns="" id="{5F7265B5-9F97-4F1E-99E9-74F7B7E62337}"/>
               </a:ext>
             </a:extLst>
           </p:cNvPr>
@@ -1317,7 +1317,7 @@
           <p:cNvPr id="11" name="Date Placeholder 10">
             <a:extLst>
               <a:ext uri="{FF2B5EF4-FFF2-40B4-BE49-F238E27FC236}">
-                <a16:creationId xmlns:a16="http://schemas.microsoft.com/office/drawing/2014/main" id="{5C74A470-3BD3-4F33-80E5-67E6E87FCBE7}"/>
+                <a16:creationId xmlns:a16="http://schemas.microsoft.com/office/drawing/2014/main" xmlns="" id="{5C74A470-3BD3-4F33-80E5-67E6E87FCBE7}"/>
               </a:ext>
             </a:extLst>
           </p:cNvPr>
@@ -1347,7 +1347,7 @@
           <p:cNvPr id="12" name="Footer Placeholder 11">
             <a:extLst>
               <a:ext uri="{FF2B5EF4-FFF2-40B4-BE49-F238E27FC236}">
-                <a16:creationId xmlns:a16="http://schemas.microsoft.com/office/drawing/2014/main" id="{9A3A30BA-DB50-4D7D-BCDE-17D20FB354DF}"/>
+                <a16:creationId xmlns:a16="http://schemas.microsoft.com/office/drawing/2014/main" xmlns="" id="{9A3A30BA-DB50-4D7D-BCDE-17D20FB354DF}"/>
               </a:ext>
             </a:extLst>
           </p:cNvPr>
@@ -1380,7 +1380,7 @@
           <p:cNvPr id="13" name="Slide Number Placeholder 12">
             <a:extLst>
               <a:ext uri="{FF2B5EF4-FFF2-40B4-BE49-F238E27FC236}">
-                <a16:creationId xmlns:a16="http://schemas.microsoft.com/office/drawing/2014/main" id="{76FF9E58-C0B2-436B-A21C-DB45A00D6515}"/>
+                <a16:creationId xmlns:a16="http://schemas.microsoft.com/office/drawing/2014/main" xmlns="" id="{76FF9E58-C0B2-436B-A21C-DB45A00D6515}"/>
               </a:ext>
             </a:extLst>
           </p:cNvPr>
@@ -1523,7 +1523,7 @@
           <p:cNvPr id="8" name="Date Placeholder 7">
             <a:extLst>
               <a:ext uri="{FF2B5EF4-FFF2-40B4-BE49-F238E27FC236}">
-                <a16:creationId xmlns:a16="http://schemas.microsoft.com/office/drawing/2014/main" id="{770E6237-3456-439F-802D-3BA93FC7E3E5}"/>
+                <a16:creationId xmlns:a16="http://schemas.microsoft.com/office/drawing/2014/main" xmlns="" id="{770E6237-3456-439F-802D-3BA93FC7E3E5}"/>
               </a:ext>
             </a:extLst>
           </p:cNvPr>
@@ -1781,7 +1781,7 @@
           <p:cNvPr id="7" name="Date Placeholder 6">
             <a:extLst>
               <a:ext uri="{FF2B5EF4-FFF2-40B4-BE49-F238E27FC236}">
-                <a16:creationId xmlns:a16="http://schemas.microsoft.com/office/drawing/2014/main" id="{61582016-5696-4A93-887F-BBB3B9002FE5}"/>
+                <a16:creationId xmlns:a16="http://schemas.microsoft.com/office/drawing/2014/main" xmlns="" id="{61582016-5696-4A93-887F-BBB3B9002FE5}"/>
               </a:ext>
             </a:extLst>
           </p:cNvPr>
@@ -1811,7 +1811,7 @@
           <p:cNvPr id="9" name="Footer Placeholder 8">
             <a:extLst>
               <a:ext uri="{FF2B5EF4-FFF2-40B4-BE49-F238E27FC236}">
-                <a16:creationId xmlns:a16="http://schemas.microsoft.com/office/drawing/2014/main" id="{857CFCD5-1192-4E18-8A8F-29E153B44DA4}"/>
+                <a16:creationId xmlns:a16="http://schemas.microsoft.com/office/drawing/2014/main" xmlns="" id="{857CFCD5-1192-4E18-8A8F-29E153B44DA4}"/>
               </a:ext>
             </a:extLst>
           </p:cNvPr>
@@ -1844,7 +1844,7 @@
           <p:cNvPr id="10" name="Slide Number Placeholder 9">
             <a:extLst>
               <a:ext uri="{FF2B5EF4-FFF2-40B4-BE49-F238E27FC236}">
-                <a16:creationId xmlns:a16="http://schemas.microsoft.com/office/drawing/2014/main" id="{E39A109E-5018-4794-92B3-FD5E5BCD95E8}"/>
+                <a16:creationId xmlns:a16="http://schemas.microsoft.com/office/drawing/2014/main" xmlns="" id="{E39A109E-5018-4794-92B3-FD5E5BCD95E8}"/>
               </a:ext>
             </a:extLst>
           </p:cNvPr>
@@ -3087,7 +3087,7 @@
           <p:cNvPr id="8" name="Date Placeholder 7">
             <a:extLst>
               <a:ext uri="{FF2B5EF4-FFF2-40B4-BE49-F238E27FC236}">
-                <a16:creationId xmlns:a16="http://schemas.microsoft.com/office/drawing/2014/main" id="{0B919CC2-2A65-446F-B538-9E6249035445}"/>
+                <a16:creationId xmlns:a16="http://schemas.microsoft.com/office/drawing/2014/main" xmlns="" id="{0B919CC2-2A65-446F-B538-9E6249035445}"/>
               </a:ext>
             </a:extLst>
           </p:cNvPr>
@@ -3122,7 +3122,7 @@
           <p:cNvPr id="10" name="Footer Placeholder 9">
             <a:extLst>
               <a:ext uri="{FF2B5EF4-FFF2-40B4-BE49-F238E27FC236}">
-                <a16:creationId xmlns:a16="http://schemas.microsoft.com/office/drawing/2014/main" id="{B72412AE-119E-4982-8B24-63365EFCA796}"/>
+                <a16:creationId xmlns:a16="http://schemas.microsoft.com/office/drawing/2014/main" xmlns="" id="{B72412AE-119E-4982-8B24-63365EFCA796}"/>
               </a:ext>
             </a:extLst>
           </p:cNvPr>
@@ -3155,7 +3155,7 @@
           <p:cNvPr id="11" name="Slide Number Placeholder 10">
             <a:extLst>
               <a:ext uri="{FF2B5EF4-FFF2-40B4-BE49-F238E27FC236}">
-                <a16:creationId xmlns:a16="http://schemas.microsoft.com/office/drawing/2014/main" id="{7FC4BB19-6AD1-45CF-9F99-00B109890FAB}"/>
+                <a16:creationId xmlns:a16="http://schemas.microsoft.com/office/drawing/2014/main" xmlns="" id="{7FC4BB19-6AD1-45CF-9F99-00B109890FAB}"/>
               </a:ext>
             </a:extLst>
           </p:cNvPr>
@@ -3794,7 +3794,7 @@
           <p:cNvPr id="8" name="Picture 7" descr="Logo&#10;&#10;Description automatically generated">
             <a:extLst>
               <a:ext uri="{FF2B5EF4-FFF2-40B4-BE49-F238E27FC236}">
-                <a16:creationId xmlns:a16="http://schemas.microsoft.com/office/drawing/2014/main" id="{14A64E4D-8DED-7830-2955-1BE78C5B0655}"/>
+                <a16:creationId xmlns:a16="http://schemas.microsoft.com/office/drawing/2014/main" xmlns="" id="{14A64E4D-8DED-7830-2955-1BE78C5B0655}"/>
               </a:ext>
             </a:extLst>
           </p:cNvPr>
@@ -4259,7 +4259,7 @@
           <p:cNvPr id="2" name="Title 1">
             <a:extLst>
               <a:ext uri="{FF2B5EF4-FFF2-40B4-BE49-F238E27FC236}">
-                <a16:creationId xmlns:a16="http://schemas.microsoft.com/office/drawing/2014/main" id="{A8A11E26-4C38-41A6-9857-11032CEECD80}"/>
+                <a16:creationId xmlns:a16="http://schemas.microsoft.com/office/drawing/2014/main" xmlns="" id="{A8A11E26-4C38-41A6-9857-11032CEECD80}"/>
               </a:ext>
             </a:extLst>
           </p:cNvPr>
@@ -4378,7 +4378,7 @@
           </a:p>
           <a:p>
             <a:r>
-              <a:rPr lang="en-US" sz="2000" b="1" dirty="0">
+              <a:rPr lang="en-US" sz="2000" b="1" smtClean="0">
                 <a:solidFill>
                   <a:schemeClr val="accent1">
                     <a:lumMod val="75000"/>
@@ -4387,8 +4387,17 @@
                 <a:latin typeface="Arial"/>
                 <a:cs typeface="Arial"/>
               </a:rPr>
-              <a:t>1.AVANTHIKA.M</a:t>
-            </a:r>
+              <a:t>1.DHARANI S</a:t>
+            </a:r>
+            <a:endParaRPr lang="en-US" sz="2000" b="1" dirty="0">
+              <a:solidFill>
+                <a:schemeClr val="accent1">
+                  <a:lumMod val="75000"/>
+                </a:schemeClr>
+              </a:solidFill>
+              <a:latin typeface="Arial"/>
+              <a:cs typeface="Arial"/>
+            </a:endParaRPr>
           </a:p>
           <a:p>
             <a:r>
@@ -4401,31 +4410,7 @@
                 <a:latin typeface="Arial"/>
                 <a:cs typeface="Arial"/>
               </a:rPr>
-              <a:t> VIVEKANANDHA COLLEGE OF TECHNOLOGY </a:t>
-            </a:r>
-            <a:r>
-              <a:rPr lang="en-US" sz="2000" b="1">
-                <a:solidFill>
-                  <a:schemeClr val="accent1">
-                    <a:lumMod val="75000"/>
-                  </a:schemeClr>
-                </a:solidFill>
-                <a:latin typeface="Arial"/>
-                <a:cs typeface="Arial"/>
-              </a:rPr>
-              <a:t>FOR WOMEN-CIVIL </a:t>
-            </a:r>
-            <a:r>
-              <a:rPr lang="en-US" sz="2000" b="1" dirty="0">
-                <a:solidFill>
-                  <a:schemeClr val="accent1">
-                    <a:lumMod val="75000"/>
-                  </a:schemeClr>
-                </a:solidFill>
-                <a:latin typeface="Arial"/>
-                <a:cs typeface="Arial"/>
-              </a:rPr>
-              <a:t>ENGINEERING</a:t>
+              <a:t> VIVEKANANDHA COLLEGE OF TECHNOLOGY FOR WOMEN-CIVIL ENGINEERING</a:t>
             </a:r>
           </a:p>
         </p:txBody>
@@ -4465,7 +4450,7 @@
           <p:cNvPr id="3" name="Content Placeholder 2">
             <a:extLst>
               <a:ext uri="{FF2B5EF4-FFF2-40B4-BE49-F238E27FC236}">
-                <a16:creationId xmlns:a16="http://schemas.microsoft.com/office/drawing/2014/main" id="{A6638FD1-D00E-E75B-705C-564F06D93D7B}"/>
+                <a16:creationId xmlns:a16="http://schemas.microsoft.com/office/drawing/2014/main" xmlns="" id="{A6638FD1-D00E-E75B-705C-564F06D93D7B}"/>
               </a:ext>
             </a:extLst>
           </p:cNvPr>
@@ -4562,7 +4547,7 @@
           <p:cNvPr id="5" name="Title 4">
             <a:extLst>
               <a:ext uri="{FF2B5EF4-FFF2-40B4-BE49-F238E27FC236}">
-                <a16:creationId xmlns:a16="http://schemas.microsoft.com/office/drawing/2014/main" id="{3F968F13-9AC4-7120-7ACD-9F752C767D5D}"/>
+                <a16:creationId xmlns:a16="http://schemas.microsoft.com/office/drawing/2014/main" xmlns="" id="{3F968F13-9AC4-7120-7ACD-9F752C767D5D}"/>
               </a:ext>
             </a:extLst>
           </p:cNvPr>
@@ -4711,7 +4696,7 @@
           <p:cNvPr id="5" name="Title 4">
             <a:extLst>
               <a:ext uri="{FF2B5EF4-FFF2-40B4-BE49-F238E27FC236}">
-                <a16:creationId xmlns:a16="http://schemas.microsoft.com/office/drawing/2014/main" id="{8FBA75B4-2DD5-42EB-9397-F36BFB8BA723}"/>
+                <a16:creationId xmlns:a16="http://schemas.microsoft.com/office/drawing/2014/main" xmlns="" id="{8FBA75B4-2DD5-42EB-9397-F36BFB8BA723}"/>
               </a:ext>
             </a:extLst>
           </p:cNvPr>
@@ -4749,7 +4734,7 @@
           <p:cNvPr id="2" name="Content Placeholder 1">
             <a:extLst>
               <a:ext uri="{FF2B5EF4-FFF2-40B4-BE49-F238E27FC236}">
-                <a16:creationId xmlns:a16="http://schemas.microsoft.com/office/drawing/2014/main" id="{357C38BC-22B3-37B2-E0C3-812020A76077}"/>
+                <a16:creationId xmlns:a16="http://schemas.microsoft.com/office/drawing/2014/main" xmlns="" id="{357C38BC-22B3-37B2-E0C3-812020A76077}"/>
               </a:ext>
             </a:extLst>
           </p:cNvPr>
@@ -4843,7 +4828,7 @@
           <p:cNvPr id="5" name="Title 4">
             <a:extLst>
               <a:ext uri="{FF2B5EF4-FFF2-40B4-BE49-F238E27FC236}">
-                <a16:creationId xmlns:a16="http://schemas.microsoft.com/office/drawing/2014/main" id="{8BE4CA82-64EC-4D4E-A5E5-3EBB66E7B24C}"/>
+                <a16:creationId xmlns:a16="http://schemas.microsoft.com/office/drawing/2014/main" xmlns="" id="{8BE4CA82-64EC-4D4E-A5E5-3EBB66E7B24C}"/>
               </a:ext>
             </a:extLst>
           </p:cNvPr>
@@ -4913,7 +4898,7 @@
           <p:cNvPr id="2" name="Title 1">
             <a:extLst>
               <a:ext uri="{FF2B5EF4-FFF2-40B4-BE49-F238E27FC236}">
-                <a16:creationId xmlns:a16="http://schemas.microsoft.com/office/drawing/2014/main" id="{49FFEB4C-F209-4AE7-AA2B-B3C26CE2C51D}"/>
+                <a16:creationId xmlns:a16="http://schemas.microsoft.com/office/drawing/2014/main" xmlns="" id="{49FFEB4C-F209-4AE7-AA2B-B3C26CE2C51D}"/>
               </a:ext>
             </a:extLst>
           </p:cNvPr>
@@ -4952,7 +4937,7 @@
           <p:cNvPr id="3" name="Content Placeholder 2">
             <a:extLst>
               <a:ext uri="{FF2B5EF4-FFF2-40B4-BE49-F238E27FC236}">
-                <a16:creationId xmlns:a16="http://schemas.microsoft.com/office/drawing/2014/main" id="{B2678641-EEA3-4EC4-BF39-4075B0C120E8}"/>
+                <a16:creationId xmlns:a16="http://schemas.microsoft.com/office/drawing/2014/main" xmlns="" id="{B2678641-EEA3-4EC4-BF39-4075B0C120E8}"/>
               </a:ext>
             </a:extLst>
           </p:cNvPr>
@@ -5152,7 +5137,7 @@
           <p:cNvPr id="5" name="Title 4">
             <a:extLst>
               <a:ext uri="{FF2B5EF4-FFF2-40B4-BE49-F238E27FC236}">
-                <a16:creationId xmlns:a16="http://schemas.microsoft.com/office/drawing/2014/main" id="{8FBA75B4-2DD5-42EB-9397-F36BFB8BA723}"/>
+                <a16:creationId xmlns:a16="http://schemas.microsoft.com/office/drawing/2014/main" xmlns="" id="{8FBA75B4-2DD5-42EB-9397-F36BFB8BA723}"/>
               </a:ext>
             </a:extLst>
           </p:cNvPr>
@@ -5189,7 +5174,7 @@
           <p:cNvPr id="2" name="Content Placeholder 1">
             <a:extLst>
               <a:ext uri="{FF2B5EF4-FFF2-40B4-BE49-F238E27FC236}">
-                <a16:creationId xmlns:a16="http://schemas.microsoft.com/office/drawing/2014/main" id="{8FEE4A9C-3F57-7DA7-91FD-715C3FB47F93}"/>
+                <a16:creationId xmlns:a16="http://schemas.microsoft.com/office/drawing/2014/main" xmlns="" id="{8FEE4A9C-3F57-7DA7-91FD-715C3FB47F93}"/>
               </a:ext>
             </a:extLst>
           </p:cNvPr>
@@ -5256,7 +5241,7 @@
           <p:cNvPr id="5" name="Title 4">
             <a:extLst>
               <a:ext uri="{FF2B5EF4-FFF2-40B4-BE49-F238E27FC236}">
-                <a16:creationId xmlns:a16="http://schemas.microsoft.com/office/drawing/2014/main" id="{8FBA75B4-2DD5-42EB-9397-F36BFB8BA723}"/>
+                <a16:creationId xmlns:a16="http://schemas.microsoft.com/office/drawing/2014/main" xmlns="" id="{8FBA75B4-2DD5-42EB-9397-F36BFB8BA723}"/>
               </a:ext>
             </a:extLst>
           </p:cNvPr>
@@ -5293,7 +5278,7 @@
           <p:cNvPr id="2" name="Content Placeholder 1">
             <a:extLst>
               <a:ext uri="{FF2B5EF4-FFF2-40B4-BE49-F238E27FC236}">
-                <a16:creationId xmlns:a16="http://schemas.microsoft.com/office/drawing/2014/main" id="{E041FD9D-DF07-9C37-1E61-1D920E0EF1D4}"/>
+                <a16:creationId xmlns:a16="http://schemas.microsoft.com/office/drawing/2014/main" xmlns="" id="{E041FD9D-DF07-9C37-1E61-1D920E0EF1D4}"/>
               </a:ext>
             </a:extLst>
           </p:cNvPr>
@@ -5363,7 +5348,7 @@
           <p:cNvPr id="5" name="Title 4">
             <a:extLst>
               <a:ext uri="{FF2B5EF4-FFF2-40B4-BE49-F238E27FC236}">
-                <a16:creationId xmlns:a16="http://schemas.microsoft.com/office/drawing/2014/main" id="{8FBA75B4-2DD5-42EB-9397-F36BFB8BA723}"/>
+                <a16:creationId xmlns:a16="http://schemas.microsoft.com/office/drawing/2014/main" xmlns="" id="{8FBA75B4-2DD5-42EB-9397-F36BFB8BA723}"/>
               </a:ext>
             </a:extLst>
           </p:cNvPr>
@@ -5412,7 +5397,7 @@
           <p:cNvPr id="2" name="Content Placeholder 1">
             <a:extLst>
               <a:ext uri="{FF2B5EF4-FFF2-40B4-BE49-F238E27FC236}">
-                <a16:creationId xmlns:a16="http://schemas.microsoft.com/office/drawing/2014/main" id="{C4FFAF3C-BA60-9181-132C-C36C403AAEA7}"/>
+                <a16:creationId xmlns:a16="http://schemas.microsoft.com/office/drawing/2014/main" xmlns="" id="{C4FFAF3C-BA60-9181-132C-C36C403AAEA7}"/>
               </a:ext>
             </a:extLst>
           </p:cNvPr>
@@ -5555,7 +5540,7 @@
           <p:cNvPr id="5" name="Title 4">
             <a:extLst>
               <a:ext uri="{FF2B5EF4-FFF2-40B4-BE49-F238E27FC236}">
-                <a16:creationId xmlns:a16="http://schemas.microsoft.com/office/drawing/2014/main" id="{8FBA75B4-2DD5-42EB-9397-F36BFB8BA723}"/>
+                <a16:creationId xmlns:a16="http://schemas.microsoft.com/office/drawing/2014/main" xmlns="" id="{8FBA75B4-2DD5-42EB-9397-F36BFB8BA723}"/>
               </a:ext>
             </a:extLst>
           </p:cNvPr>
@@ -5593,7 +5578,7 @@
           <p:cNvPr id="2" name="Content Placeholder 1">
             <a:extLst>
               <a:ext uri="{FF2B5EF4-FFF2-40B4-BE49-F238E27FC236}">
-                <a16:creationId xmlns:a16="http://schemas.microsoft.com/office/drawing/2014/main" id="{F7F0871F-2198-9E37-C96F-3611AA199B60}"/>
+                <a16:creationId xmlns:a16="http://schemas.microsoft.com/office/drawing/2014/main" xmlns="" id="{F7F0871F-2198-9E37-C96F-3611AA199B60}"/>
               </a:ext>
             </a:extLst>
           </p:cNvPr>
@@ -5809,7 +5794,7 @@
           <p:cNvPr id="5" name="Title 4">
             <a:extLst>
               <a:ext uri="{FF2B5EF4-FFF2-40B4-BE49-F238E27FC236}">
-                <a16:creationId xmlns:a16="http://schemas.microsoft.com/office/drawing/2014/main" id="{8FBA75B4-2DD5-42EB-9397-F36BFB8BA723}"/>
+                <a16:creationId xmlns:a16="http://schemas.microsoft.com/office/drawing/2014/main" xmlns="" id="{8FBA75B4-2DD5-42EB-9397-F36BFB8BA723}"/>
               </a:ext>
             </a:extLst>
           </p:cNvPr>
@@ -5847,7 +5832,7 @@
           <p:cNvPr id="2" name="Content Placeholder 1">
             <a:extLst>
               <a:ext uri="{FF2B5EF4-FFF2-40B4-BE49-F238E27FC236}">
-                <a16:creationId xmlns:a16="http://schemas.microsoft.com/office/drawing/2014/main" id="{D3304455-6802-6CA9-8475-2F6DD1B8D409}"/>
+                <a16:creationId xmlns:a16="http://schemas.microsoft.com/office/drawing/2014/main" xmlns="" id="{D3304455-6802-6CA9-8475-2F6DD1B8D409}"/>
               </a:ext>
             </a:extLst>
           </p:cNvPr>
@@ -5920,7 +5905,7 @@
           <p:cNvPr id="5" name="Title 4">
             <a:extLst>
               <a:ext uri="{FF2B5EF4-FFF2-40B4-BE49-F238E27FC236}">
-                <a16:creationId xmlns:a16="http://schemas.microsoft.com/office/drawing/2014/main" id="{8FBA75B4-2DD5-42EB-9397-F36BFB8BA723}"/>
+                <a16:creationId xmlns:a16="http://schemas.microsoft.com/office/drawing/2014/main" xmlns="" id="{8FBA75B4-2DD5-42EB-9397-F36BFB8BA723}"/>
               </a:ext>
             </a:extLst>
           </p:cNvPr>
@@ -5958,7 +5943,7 @@
           <p:cNvPr id="2" name="Content Placeholder 1">
             <a:extLst>
               <a:ext uri="{FF2B5EF4-FFF2-40B4-BE49-F238E27FC236}">
-                <a16:creationId xmlns:a16="http://schemas.microsoft.com/office/drawing/2014/main" id="{005E46AB-32C4-4B57-A2B1-50738A64BE1B}"/>
+                <a16:creationId xmlns:a16="http://schemas.microsoft.com/office/drawing/2014/main" xmlns="" id="{005E46AB-32C4-4B57-A2B1-50738A64BE1B}"/>
               </a:ext>
             </a:extLst>
           </p:cNvPr>
@@ -6268,7 +6253,7 @@
   <a:extraClrSchemeLst/>
   <a:extLst>
     <a:ext uri="{05A4C25C-085E-4340-85A3-A5531E510DB2}">
-      <thm15:themeFamily xmlns:thm15="http://schemas.microsoft.com/office/thememl/2012/main" name="DividendVTI" id="{97558BDE-0B66-457C-BB6F-7B1B22DAA9B8}" vid="{F53508A3-AC60-448A-AF37-934D5F1A0D5E}"/>
+      <thm15:themeFamily xmlns:thm15="http://schemas.microsoft.com/office/thememl/2012/main" xmlns="" name="DividendVTI" id="{97558BDE-0B66-457C-BB6F-7B1B22DAA9B8}" vid="{F53508A3-AC60-448A-AF37-934D5F1A0D5E}"/>
     </a:ext>
   </a:extLst>
 </a:theme>
@@ -6563,19 +6548,19 @@
   <a:extraClrSchemeLst/>
   <a:extLst>
     <a:ext uri="{05A4C25C-085E-4340-85A3-A5531E510DB2}">
-      <thm15:themeFamily xmlns:thm15="http://schemas.microsoft.com/office/thememl/2012/main" name="Office Theme" id="{62F939B6-93AF-4DB8-9C6B-D6C7DFDC589F}" vid="{4A3C46E8-61CC-4603-A589-7422A47A8E4A}"/>
+      <thm15:themeFamily xmlns:thm15="http://schemas.microsoft.com/office/thememl/2012/main" xmlns="" name="Office Theme" id="{62F939B6-93AF-4DB8-9C6B-D6C7DFDC589F}" vid="{4A3C46E8-61CC-4603-A589-7422A47A8E4A}"/>
     </a:ext>
   </a:extLst>
 </a:theme>
 </file>
 
 <file path=customXml/item1.xml><?xml version="1.0" encoding="utf-8"?>
-<p:properties xmlns:p="http://schemas.microsoft.com/office/2006/metadata/properties" xmlns:xsi="http://www.w3.org/2001/XMLSchema-instance" xmlns:pc="http://schemas.microsoft.com/office/infopath/2007/PartnerControls">
-  <documentManagement>
-    <MediaServiceKeyPoints xmlns="9162bd5b-4ed9-4da3-b376-05204580ba3f" xsi:nil="true"/>
-    <_activity xmlns="9162bd5b-4ed9-4da3-b376-05204580ba3f" xsi:nil="true"/>
-  </documentManagement>
-</p:properties>
+<?mso-contentType ?>
+<FormTemplates xmlns="http://schemas.microsoft.com/sharepoint/v3/contenttype/forms">
+  <Display>DocumentLibraryForm</Display>
+  <Edit>DocumentLibraryForm</Edit>
+  <New>DocumentLibraryForm</New>
+</FormTemplates>
 </file>
 
 <file path=customXml/item2.xml><?xml version="1.0" encoding="utf-8"?>
@@ -6826,27 +6811,18 @@
 </file>
 
 <file path=customXml/item3.xml><?xml version="1.0" encoding="utf-8"?>
-<?mso-contentType ?>
-<FormTemplates xmlns="http://schemas.microsoft.com/sharepoint/v3/contenttype/forms">
-  <Display>DocumentLibraryForm</Display>
-  <Edit>DocumentLibraryForm</Edit>
-  <New>DocumentLibraryForm</New>
-</FormTemplates>
+<p:properties xmlns:p="http://schemas.microsoft.com/office/2006/metadata/properties" xmlns:xsi="http://www.w3.org/2001/XMLSchema-instance" xmlns:pc="http://schemas.microsoft.com/office/infopath/2007/PartnerControls">
+  <documentManagement>
+    <MediaServiceKeyPoints xmlns="9162bd5b-4ed9-4da3-b376-05204580ba3f" xsi:nil="true"/>
+    <_activity xmlns="9162bd5b-4ed9-4da3-b376-05204580ba3f" xsi:nil="true"/>
+  </documentManagement>
+</p:properties>
 </file>
 
 <file path=customXml/itemProps1.xml><?xml version="1.0" encoding="utf-8"?>
-<ds:datastoreItem xmlns:ds="http://schemas.openxmlformats.org/officeDocument/2006/customXml" ds:itemID="{8D289AE2-D2AE-49D1-AFAC-3A79F6794255}">
+<ds:datastoreItem xmlns:ds="http://schemas.openxmlformats.org/officeDocument/2006/customXml" ds:itemID="{927BD4C1-B6B1-4715-ABF9-E660A51A4EA0}">
   <ds:schemaRefs>
-    <ds:schemaRef ds:uri="http://purl.org/dc/elements/1.1/"/>
-    <ds:schemaRef ds:uri="http://purl.org/dc/terms/"/>
-    <ds:schemaRef ds:uri="9162bd5b-4ed9-4da3-b376-05204580ba3f"/>
-    <ds:schemaRef ds:uri="http://schemas.microsoft.com/office/2006/metadata/properties"/>
-    <ds:schemaRef ds:uri="http://schemas.microsoft.com/office/infopath/2007/PartnerControls"/>
-    <ds:schemaRef ds:uri="http://schemas.openxmlformats.org/package/2006/metadata/core-properties"/>
-    <ds:schemaRef ds:uri="http://schemas.microsoft.com/office/2006/documentManagement/types"/>
-    <ds:schemaRef ds:uri="c0fa2617-96bd-425d-8578-e93563fe37c5"/>
-    <ds:schemaRef ds:uri="http://www.w3.org/XML/1998/namespace"/>
-    <ds:schemaRef ds:uri="http://purl.org/dc/dcmitype/"/>
+    <ds:schemaRef ds:uri="http://schemas.microsoft.com/sharepoint/v3/contenttype/forms"/>
   </ds:schemaRefs>
 </ds:datastoreItem>
 </file>
@@ -6871,9 +6847,18 @@
 </file>
 
 <file path=customXml/itemProps3.xml><?xml version="1.0" encoding="utf-8"?>
-<ds:datastoreItem xmlns:ds="http://schemas.openxmlformats.org/officeDocument/2006/customXml" ds:itemID="{927BD4C1-B6B1-4715-ABF9-E660A51A4EA0}">
+<ds:datastoreItem xmlns:ds="http://schemas.openxmlformats.org/officeDocument/2006/customXml" ds:itemID="{8D289AE2-D2AE-49D1-AFAC-3A79F6794255}">
   <ds:schemaRefs>
-    <ds:schemaRef ds:uri="http://schemas.microsoft.com/sharepoint/v3/contenttype/forms"/>
+    <ds:schemaRef ds:uri="http://purl.org/dc/elements/1.1/"/>
+    <ds:schemaRef ds:uri="http://purl.org/dc/terms/"/>
+    <ds:schemaRef ds:uri="9162bd5b-4ed9-4da3-b376-05204580ba3f"/>
+    <ds:schemaRef ds:uri="http://schemas.microsoft.com/office/2006/metadata/properties"/>
+    <ds:schemaRef ds:uri="http://schemas.microsoft.com/office/infopath/2007/PartnerControls"/>
+    <ds:schemaRef ds:uri="http://schemas.openxmlformats.org/package/2006/metadata/core-properties"/>
+    <ds:schemaRef ds:uri="http://schemas.microsoft.com/office/2006/documentManagement/types"/>
+    <ds:schemaRef ds:uri="c0fa2617-96bd-425d-8578-e93563fe37c5"/>
+    <ds:schemaRef ds:uri="http://www.w3.org/XML/1998/namespace"/>
+    <ds:schemaRef ds:uri="http://purl.org/dc/dcmitype/"/>
   </ds:schemaRefs>
 </ds:datastoreItem>
 </file>
--- a/movie rating project.pptx
+++ b/movie rating project.pptx
@@ -120,7 +120,7 @@
   </p:defaultTextStyle>
   <p:extLst>
     <p:ext uri="{EFAFB233-063F-42B5-8137-9DF3F51BA10A}">
-      <p15:sldGuideLst xmlns:p15="http://schemas.microsoft.com/office/powerpoint/2012/main" xmlns="">
+      <p15:sldGuideLst xmlns="" xmlns:p15="http://schemas.microsoft.com/office/powerpoint/2012/main">
         <p15:guide id="1" orient="horz" pos="2160">
           <p15:clr>
             <a:srgbClr val="A4A3A4"/>
@@ -736,7 +736,7 @@
           <p:cNvPr id="8" name="Date Placeholder 7">
             <a:extLst>
               <a:ext uri="{FF2B5EF4-FFF2-40B4-BE49-F238E27FC236}">
-                <a16:creationId xmlns:a16="http://schemas.microsoft.com/office/drawing/2014/main" xmlns="" id="{7FA0ACE7-29A8-47D3-A7D9-257B711D8023}"/>
+                <a16:creationId xmlns="" xmlns:a16="http://schemas.microsoft.com/office/drawing/2014/main" id="{7FA0ACE7-29A8-47D3-A7D9-257B711D8023}"/>
               </a:ext>
             </a:extLst>
           </p:cNvPr>
@@ -766,7 +766,7 @@
           <p:cNvPr id="9" name="Footer Placeholder 8">
             <a:extLst>
               <a:ext uri="{FF2B5EF4-FFF2-40B4-BE49-F238E27FC236}">
-                <a16:creationId xmlns:a16="http://schemas.microsoft.com/office/drawing/2014/main" xmlns="" id="{DEC604B9-52E9-4810-8359-47206518D038}"/>
+                <a16:creationId xmlns="" xmlns:a16="http://schemas.microsoft.com/office/drawing/2014/main" id="{DEC604B9-52E9-4810-8359-47206518D038}"/>
               </a:ext>
             </a:extLst>
           </p:cNvPr>
@@ -799,7 +799,7 @@
           <p:cNvPr id="10" name="Slide Number Placeholder 9">
             <a:extLst>
               <a:ext uri="{FF2B5EF4-FFF2-40B4-BE49-F238E27FC236}">
-                <a16:creationId xmlns:a16="http://schemas.microsoft.com/office/drawing/2014/main" xmlns="" id="{5898A89F-CA25-400F-B05A-AECBF2517E4F}"/>
+                <a16:creationId xmlns="" xmlns:a16="http://schemas.microsoft.com/office/drawing/2014/main" id="{5898A89F-CA25-400F-B05A-AECBF2517E4F}"/>
               </a:ext>
             </a:extLst>
           </p:cNvPr>
@@ -1188,7 +1188,7 @@
           <p:cNvPr id="8" name="Rectangle 7">
             <a:extLst>
               <a:ext uri="{FF2B5EF4-FFF2-40B4-BE49-F238E27FC236}">
-                <a16:creationId xmlns:a16="http://schemas.microsoft.com/office/drawing/2014/main" xmlns="" id="{F6423B97-A5D4-47B9-8861-73B3707A04CF}"/>
+                <a16:creationId xmlns="" xmlns:a16="http://schemas.microsoft.com/office/drawing/2014/main" id="{F6423B97-A5D4-47B9-8861-73B3707A04CF}"/>
               </a:ext>
             </a:extLst>
           </p:cNvPr>
@@ -1231,7 +1231,7 @@
           <p:cNvPr id="9" name="Rectangle 8">
             <a:extLst>
               <a:ext uri="{FF2B5EF4-FFF2-40B4-BE49-F238E27FC236}">
-                <a16:creationId xmlns:a16="http://schemas.microsoft.com/office/drawing/2014/main" xmlns="" id="{1AEC0421-37B4-4481-A10D-69FDF5EC7909}"/>
+                <a16:creationId xmlns="" xmlns:a16="http://schemas.microsoft.com/office/drawing/2014/main" id="{1AEC0421-37B4-4481-A10D-69FDF5EC7909}"/>
               </a:ext>
             </a:extLst>
           </p:cNvPr>
@@ -1274,7 +1274,7 @@
           <p:cNvPr id="10" name="Rectangle 9">
             <a:extLst>
               <a:ext uri="{FF2B5EF4-FFF2-40B4-BE49-F238E27FC236}">
-                <a16:creationId xmlns:a16="http://schemas.microsoft.com/office/drawing/2014/main" xmlns="" id="{5F7265B5-9F97-4F1E-99E9-74F7B7E62337}"/>
+                <a16:creationId xmlns="" xmlns:a16="http://schemas.microsoft.com/office/drawing/2014/main" id="{5F7265B5-9F97-4F1E-99E9-74F7B7E62337}"/>
               </a:ext>
             </a:extLst>
           </p:cNvPr>
@@ -1317,7 +1317,7 @@
           <p:cNvPr id="11" name="Date Placeholder 10">
             <a:extLst>
               <a:ext uri="{FF2B5EF4-FFF2-40B4-BE49-F238E27FC236}">
-                <a16:creationId xmlns:a16="http://schemas.microsoft.com/office/drawing/2014/main" xmlns="" id="{5C74A470-3BD3-4F33-80E5-67E6E87FCBE7}"/>
+                <a16:creationId xmlns="" xmlns:a16="http://schemas.microsoft.com/office/drawing/2014/main" id="{5C74A470-3BD3-4F33-80E5-67E6E87FCBE7}"/>
               </a:ext>
             </a:extLst>
           </p:cNvPr>
@@ -1347,7 +1347,7 @@
           <p:cNvPr id="12" name="Footer Placeholder 11">
             <a:extLst>
               <a:ext uri="{FF2B5EF4-FFF2-40B4-BE49-F238E27FC236}">
-                <a16:creationId xmlns:a16="http://schemas.microsoft.com/office/drawing/2014/main" xmlns="" id="{9A3A30BA-DB50-4D7D-BCDE-17D20FB354DF}"/>
+                <a16:creationId xmlns="" xmlns:a16="http://schemas.microsoft.com/office/drawing/2014/main" id="{9A3A30BA-DB50-4D7D-BCDE-17D20FB354DF}"/>
               </a:ext>
             </a:extLst>
           </p:cNvPr>
@@ -1380,7 +1380,7 @@
           <p:cNvPr id="13" name="Slide Number Placeholder 12">
             <a:extLst>
               <a:ext uri="{FF2B5EF4-FFF2-40B4-BE49-F238E27FC236}">
-                <a16:creationId xmlns:a16="http://schemas.microsoft.com/office/drawing/2014/main" xmlns="" id="{76FF9E58-C0B2-436B-A21C-DB45A00D6515}"/>
+                <a16:creationId xmlns="" xmlns:a16="http://schemas.microsoft.com/office/drawing/2014/main" id="{76FF9E58-C0B2-436B-A21C-DB45A00D6515}"/>
               </a:ext>
             </a:extLst>
           </p:cNvPr>
@@ -1523,7 +1523,7 @@
           <p:cNvPr id="8" name="Date Placeholder 7">
             <a:extLst>
               <a:ext uri="{FF2B5EF4-FFF2-40B4-BE49-F238E27FC236}">
-                <a16:creationId xmlns:a16="http://schemas.microsoft.com/office/drawing/2014/main" xmlns="" id="{770E6237-3456-439F-802D-3BA93FC7E3E5}"/>
+                <a16:creationId xmlns="" xmlns:a16="http://schemas.microsoft.com/office/drawing/2014/main" id="{770E6237-3456-439F-802D-3BA93FC7E3E5}"/>
               </a:ext>
             </a:extLst>
           </p:cNvPr>
@@ -1781,7 +1781,7 @@
           <p:cNvPr id="7" name="Date Placeholder 6">
             <a:extLst>
               <a:ext uri="{FF2B5EF4-FFF2-40B4-BE49-F238E27FC236}">
-                <a16:creationId xmlns:a16="http://schemas.microsoft.com/office/drawing/2014/main" xmlns="" id="{61582016-5696-4A93-887F-BBB3B9002FE5}"/>
+                <a16:creationId xmlns="" xmlns:a16="http://schemas.microsoft.com/office/drawing/2014/main" id="{61582016-5696-4A93-887F-BBB3B9002FE5}"/>
               </a:ext>
             </a:extLst>
           </p:cNvPr>
@@ -1811,7 +1811,7 @@
           <p:cNvPr id="9" name="Footer Placeholder 8">
             <a:extLst>
               <a:ext uri="{FF2B5EF4-FFF2-40B4-BE49-F238E27FC236}">
-                <a16:creationId xmlns:a16="http://schemas.microsoft.com/office/drawing/2014/main" xmlns="" id="{857CFCD5-1192-4E18-8A8F-29E153B44DA4}"/>
+                <a16:creationId xmlns="" xmlns:a16="http://schemas.microsoft.com/office/drawing/2014/main" id="{857CFCD5-1192-4E18-8A8F-29E153B44DA4}"/>
               </a:ext>
             </a:extLst>
           </p:cNvPr>
@@ -1844,7 +1844,7 @@
           <p:cNvPr id="10" name="Slide Number Placeholder 9">
             <a:extLst>
               <a:ext uri="{FF2B5EF4-FFF2-40B4-BE49-F238E27FC236}">
-                <a16:creationId xmlns:a16="http://schemas.microsoft.com/office/drawing/2014/main" xmlns="" id="{E39A109E-5018-4794-92B3-FD5E5BCD95E8}"/>
+                <a16:creationId xmlns="" xmlns:a16="http://schemas.microsoft.com/office/drawing/2014/main" id="{E39A109E-5018-4794-92B3-FD5E5BCD95E8}"/>
               </a:ext>
             </a:extLst>
           </p:cNvPr>
@@ -3087,7 +3087,7 @@
           <p:cNvPr id="8" name="Date Placeholder 7">
             <a:extLst>
               <a:ext uri="{FF2B5EF4-FFF2-40B4-BE49-F238E27FC236}">
-                <a16:creationId xmlns:a16="http://schemas.microsoft.com/office/drawing/2014/main" xmlns="" id="{0B919CC2-2A65-446F-B538-9E6249035445}"/>
+                <a16:creationId xmlns="" xmlns:a16="http://schemas.microsoft.com/office/drawing/2014/main" id="{0B919CC2-2A65-446F-B538-9E6249035445}"/>
               </a:ext>
             </a:extLst>
           </p:cNvPr>
@@ -3122,7 +3122,7 @@
           <p:cNvPr id="10" name="Footer Placeholder 9">
             <a:extLst>
               <a:ext uri="{FF2B5EF4-FFF2-40B4-BE49-F238E27FC236}">
-                <a16:creationId xmlns:a16="http://schemas.microsoft.com/office/drawing/2014/main" xmlns="" id="{B72412AE-119E-4982-8B24-63365EFCA796}"/>
+                <a16:creationId xmlns="" xmlns:a16="http://schemas.microsoft.com/office/drawing/2014/main" id="{B72412AE-119E-4982-8B24-63365EFCA796}"/>
               </a:ext>
             </a:extLst>
           </p:cNvPr>
@@ -3155,7 +3155,7 @@
           <p:cNvPr id="11" name="Slide Number Placeholder 10">
             <a:extLst>
               <a:ext uri="{FF2B5EF4-FFF2-40B4-BE49-F238E27FC236}">
-                <a16:creationId xmlns:a16="http://schemas.microsoft.com/office/drawing/2014/main" xmlns="" id="{7FC4BB19-6AD1-45CF-9F99-00B109890FAB}"/>
+                <a16:creationId xmlns="" xmlns:a16="http://schemas.microsoft.com/office/drawing/2014/main" id="{7FC4BB19-6AD1-45CF-9F99-00B109890FAB}"/>
               </a:ext>
             </a:extLst>
           </p:cNvPr>
@@ -3794,7 +3794,7 @@
           <p:cNvPr id="8" name="Picture 7" descr="Logo&#10;&#10;Description automatically generated">
             <a:extLst>
               <a:ext uri="{FF2B5EF4-FFF2-40B4-BE49-F238E27FC236}">
-                <a16:creationId xmlns:a16="http://schemas.microsoft.com/office/drawing/2014/main" xmlns="" id="{14A64E4D-8DED-7830-2955-1BE78C5B0655}"/>
+                <a16:creationId xmlns="" xmlns:a16="http://schemas.microsoft.com/office/drawing/2014/main" id="{14A64E4D-8DED-7830-2955-1BE78C5B0655}"/>
               </a:ext>
             </a:extLst>
           </p:cNvPr>
@@ -4259,7 +4259,7 @@
           <p:cNvPr id="2" name="Title 1">
             <a:extLst>
               <a:ext uri="{FF2B5EF4-FFF2-40B4-BE49-F238E27FC236}">
-                <a16:creationId xmlns:a16="http://schemas.microsoft.com/office/drawing/2014/main" xmlns="" id="{A8A11E26-4C38-41A6-9857-11032CEECD80}"/>
+                <a16:creationId xmlns="" xmlns:a16="http://schemas.microsoft.com/office/drawing/2014/main" id="{A8A11E26-4C38-41A6-9857-11032CEECD80}"/>
               </a:ext>
             </a:extLst>
           </p:cNvPr>
@@ -4387,7 +4387,7 @@
                 <a:latin typeface="Arial"/>
                 <a:cs typeface="Arial"/>
               </a:rPr>
-              <a:t>1.DHARANI S</a:t>
+              <a:t>DHARANI.S</a:t>
             </a:r>
             <a:endParaRPr lang="en-US" sz="2000" b="1" dirty="0">
               <a:solidFill>
@@ -4401,7 +4401,7 @@
           </a:p>
           <a:p>
             <a:r>
-              <a:rPr lang="en-US" sz="2000" b="1" dirty="0">
+              <a:rPr lang="en-US" sz="2000" b="1" dirty="0" smtClean="0">
                 <a:solidFill>
                   <a:schemeClr val="accent1">
                     <a:lumMod val="75000"/>
@@ -4410,8 +4410,41 @@
                 <a:latin typeface="Arial"/>
                 <a:cs typeface="Arial"/>
               </a:rPr>
-              <a:t> VIVEKANANDHA COLLEGE OF TECHNOLOGY FOR WOMEN-CIVIL ENGINEERING</a:t>
-            </a:r>
+              <a:t>VIVEKANANDHA </a:t>
+            </a:r>
+            <a:r>
+              <a:rPr lang="en-US" sz="2000" b="1" dirty="0">
+                <a:solidFill>
+                  <a:schemeClr val="accent1">
+                    <a:lumMod val="75000"/>
+                  </a:schemeClr>
+                </a:solidFill>
+                <a:latin typeface="Arial"/>
+                <a:cs typeface="Arial"/>
+              </a:rPr>
+              <a:t>COLLEGE OF TECHNOLOGY FOR </a:t>
+            </a:r>
+            <a:r>
+              <a:rPr lang="en-US" sz="2000" b="1" dirty="0" smtClean="0">
+                <a:solidFill>
+                  <a:schemeClr val="accent1">
+                    <a:lumMod val="75000"/>
+                  </a:schemeClr>
+                </a:solidFill>
+                <a:latin typeface="Arial"/>
+                <a:cs typeface="Arial"/>
+              </a:rPr>
+              <a:t>WOMEN-ELECTRICAL AND ELECTRONICS ENGINEERING</a:t>
+            </a:r>
+            <a:endParaRPr lang="en-US" sz="2000" b="1" dirty="0">
+              <a:solidFill>
+                <a:schemeClr val="accent1">
+                  <a:lumMod val="75000"/>
+                </a:schemeClr>
+              </a:solidFill>
+              <a:latin typeface="Arial"/>
+              <a:cs typeface="Arial"/>
+            </a:endParaRPr>
           </a:p>
         </p:txBody>
       </p:sp>
@@ -4450,7 +4483,7 @@
           <p:cNvPr id="3" name="Content Placeholder 2">
             <a:extLst>
               <a:ext uri="{FF2B5EF4-FFF2-40B4-BE49-F238E27FC236}">
-                <a16:creationId xmlns:a16="http://schemas.microsoft.com/office/drawing/2014/main" xmlns="" id="{A6638FD1-D00E-E75B-705C-564F06D93D7B}"/>
+                <a16:creationId xmlns="" xmlns:a16="http://schemas.microsoft.com/office/drawing/2014/main" id="{A6638FD1-D00E-E75B-705C-564F06D93D7B}"/>
               </a:ext>
             </a:extLst>
           </p:cNvPr>
@@ -4547,7 +4580,7 @@
           <p:cNvPr id="5" name="Title 4">
             <a:extLst>
               <a:ext uri="{FF2B5EF4-FFF2-40B4-BE49-F238E27FC236}">
-                <a16:creationId xmlns:a16="http://schemas.microsoft.com/office/drawing/2014/main" xmlns="" id="{3F968F13-9AC4-7120-7ACD-9F752C767D5D}"/>
+                <a16:creationId xmlns="" xmlns:a16="http://schemas.microsoft.com/office/drawing/2014/main" id="{3F968F13-9AC4-7120-7ACD-9F752C767D5D}"/>
               </a:ext>
             </a:extLst>
           </p:cNvPr>
@@ -4696,7 +4729,7 @@
           <p:cNvPr id="5" name="Title 4">
             <a:extLst>
               <a:ext uri="{FF2B5EF4-FFF2-40B4-BE49-F238E27FC236}">
-                <a16:creationId xmlns:a16="http://schemas.microsoft.com/office/drawing/2014/main" xmlns="" id="{8FBA75B4-2DD5-42EB-9397-F36BFB8BA723}"/>
+                <a16:creationId xmlns="" xmlns:a16="http://schemas.microsoft.com/office/drawing/2014/main" id="{8FBA75B4-2DD5-42EB-9397-F36BFB8BA723}"/>
               </a:ext>
             </a:extLst>
           </p:cNvPr>
@@ -4734,7 +4767,7 @@
           <p:cNvPr id="2" name="Content Placeholder 1">
             <a:extLst>
               <a:ext uri="{FF2B5EF4-FFF2-40B4-BE49-F238E27FC236}">
-                <a16:creationId xmlns:a16="http://schemas.microsoft.com/office/drawing/2014/main" xmlns="" id="{357C38BC-22B3-37B2-E0C3-812020A76077}"/>
+                <a16:creationId xmlns="" xmlns:a16="http://schemas.microsoft.com/office/drawing/2014/main" id="{357C38BC-22B3-37B2-E0C3-812020A76077}"/>
               </a:ext>
             </a:extLst>
           </p:cNvPr>
@@ -4828,7 +4861,7 @@
           <p:cNvPr id="5" name="Title 4">
             <a:extLst>
               <a:ext uri="{FF2B5EF4-FFF2-40B4-BE49-F238E27FC236}">
-                <a16:creationId xmlns:a16="http://schemas.microsoft.com/office/drawing/2014/main" xmlns="" id="{8BE4CA82-64EC-4D4E-A5E5-3EBB66E7B24C}"/>
+                <a16:creationId xmlns="" xmlns:a16="http://schemas.microsoft.com/office/drawing/2014/main" id="{8BE4CA82-64EC-4D4E-A5E5-3EBB66E7B24C}"/>
               </a:ext>
             </a:extLst>
           </p:cNvPr>
@@ -4898,7 +4931,7 @@
           <p:cNvPr id="2" name="Title 1">
             <a:extLst>
               <a:ext uri="{FF2B5EF4-FFF2-40B4-BE49-F238E27FC236}">
-                <a16:creationId xmlns:a16="http://schemas.microsoft.com/office/drawing/2014/main" xmlns="" id="{49FFEB4C-F209-4AE7-AA2B-B3C26CE2C51D}"/>
+                <a16:creationId xmlns="" xmlns:a16="http://schemas.microsoft.com/office/drawing/2014/main" id="{49FFEB4C-F209-4AE7-AA2B-B3C26CE2C51D}"/>
               </a:ext>
             </a:extLst>
           </p:cNvPr>
@@ -4937,7 +4970,7 @@
           <p:cNvPr id="3" name="Content Placeholder 2">
             <a:extLst>
               <a:ext uri="{FF2B5EF4-FFF2-40B4-BE49-F238E27FC236}">
-                <a16:creationId xmlns:a16="http://schemas.microsoft.com/office/drawing/2014/main" xmlns="" id="{B2678641-EEA3-4EC4-BF39-4075B0C120E8}"/>
+                <a16:creationId xmlns="" xmlns:a16="http://schemas.microsoft.com/office/drawing/2014/main" id="{B2678641-EEA3-4EC4-BF39-4075B0C120E8}"/>
               </a:ext>
             </a:extLst>
           </p:cNvPr>
@@ -5137,7 +5170,7 @@
           <p:cNvPr id="5" name="Title 4">
             <a:extLst>
               <a:ext uri="{FF2B5EF4-FFF2-40B4-BE49-F238E27FC236}">
-                <a16:creationId xmlns:a16="http://schemas.microsoft.com/office/drawing/2014/main" xmlns="" id="{8FBA75B4-2DD5-42EB-9397-F36BFB8BA723}"/>
+                <a16:creationId xmlns="" xmlns:a16="http://schemas.microsoft.com/office/drawing/2014/main" id="{8FBA75B4-2DD5-42EB-9397-F36BFB8BA723}"/>
               </a:ext>
             </a:extLst>
           </p:cNvPr>
@@ -5174,7 +5207,7 @@
           <p:cNvPr id="2" name="Content Placeholder 1">
             <a:extLst>
               <a:ext uri="{FF2B5EF4-FFF2-40B4-BE49-F238E27FC236}">
-                <a16:creationId xmlns:a16="http://schemas.microsoft.com/office/drawing/2014/main" xmlns="" id="{8FEE4A9C-3F57-7DA7-91FD-715C3FB47F93}"/>
+                <a16:creationId xmlns="" xmlns:a16="http://schemas.microsoft.com/office/drawing/2014/main" id="{8FEE4A9C-3F57-7DA7-91FD-715C3FB47F93}"/>
               </a:ext>
             </a:extLst>
           </p:cNvPr>
@@ -5241,7 +5274,7 @@
           <p:cNvPr id="5" name="Title 4">
             <a:extLst>
               <a:ext uri="{FF2B5EF4-FFF2-40B4-BE49-F238E27FC236}">
-                <a16:creationId xmlns:a16="http://schemas.microsoft.com/office/drawing/2014/main" xmlns="" id="{8FBA75B4-2DD5-42EB-9397-F36BFB8BA723}"/>
+                <a16:creationId xmlns="" xmlns:a16="http://schemas.microsoft.com/office/drawing/2014/main" id="{8FBA75B4-2DD5-42EB-9397-F36BFB8BA723}"/>
               </a:ext>
             </a:extLst>
           </p:cNvPr>
@@ -5278,7 +5311,7 @@
           <p:cNvPr id="2" name="Content Placeholder 1">
             <a:extLst>
               <a:ext uri="{FF2B5EF4-FFF2-40B4-BE49-F238E27FC236}">
-                <a16:creationId xmlns:a16="http://schemas.microsoft.com/office/drawing/2014/main" xmlns="" id="{E041FD9D-DF07-9C37-1E61-1D920E0EF1D4}"/>
+                <a16:creationId xmlns="" xmlns:a16="http://schemas.microsoft.com/office/drawing/2014/main" id="{E041FD9D-DF07-9C37-1E61-1D920E0EF1D4}"/>
               </a:ext>
             </a:extLst>
           </p:cNvPr>
@@ -5348,7 +5381,7 @@
           <p:cNvPr id="5" name="Title 4">
             <a:extLst>
               <a:ext uri="{FF2B5EF4-FFF2-40B4-BE49-F238E27FC236}">
-                <a16:creationId xmlns:a16="http://schemas.microsoft.com/office/drawing/2014/main" xmlns="" id="{8FBA75B4-2DD5-42EB-9397-F36BFB8BA723}"/>
+                <a16:creationId xmlns="" xmlns:a16="http://schemas.microsoft.com/office/drawing/2014/main" id="{8FBA75B4-2DD5-42EB-9397-F36BFB8BA723}"/>
               </a:ext>
             </a:extLst>
           </p:cNvPr>
@@ -5397,7 +5430,7 @@
           <p:cNvPr id="2" name="Content Placeholder 1">
             <a:extLst>
               <a:ext uri="{FF2B5EF4-FFF2-40B4-BE49-F238E27FC236}">
-                <a16:creationId xmlns:a16="http://schemas.microsoft.com/office/drawing/2014/main" xmlns="" id="{C4FFAF3C-BA60-9181-132C-C36C403AAEA7}"/>
+                <a16:creationId xmlns="" xmlns:a16="http://schemas.microsoft.com/office/drawing/2014/main" id="{C4FFAF3C-BA60-9181-132C-C36C403AAEA7}"/>
               </a:ext>
             </a:extLst>
           </p:cNvPr>
@@ -5540,7 +5573,7 @@
           <p:cNvPr id="5" name="Title 4">
             <a:extLst>
               <a:ext uri="{FF2B5EF4-FFF2-40B4-BE49-F238E27FC236}">
-                <a16:creationId xmlns:a16="http://schemas.microsoft.com/office/drawing/2014/main" xmlns="" id="{8FBA75B4-2DD5-42EB-9397-F36BFB8BA723}"/>
+                <a16:creationId xmlns="" xmlns:a16="http://schemas.microsoft.com/office/drawing/2014/main" id="{8FBA75B4-2DD5-42EB-9397-F36BFB8BA723}"/>
               </a:ext>
             </a:extLst>
           </p:cNvPr>
@@ -5578,7 +5611,7 @@
           <p:cNvPr id="2" name="Content Placeholder 1">
             <a:extLst>
               <a:ext uri="{FF2B5EF4-FFF2-40B4-BE49-F238E27FC236}">
-                <a16:creationId xmlns:a16="http://schemas.microsoft.com/office/drawing/2014/main" xmlns="" id="{F7F0871F-2198-9E37-C96F-3611AA199B60}"/>
+                <a16:creationId xmlns="" xmlns:a16="http://schemas.microsoft.com/office/drawing/2014/main" id="{F7F0871F-2198-9E37-C96F-3611AA199B60}"/>
               </a:ext>
             </a:extLst>
           </p:cNvPr>
@@ -5794,7 +5827,7 @@
           <p:cNvPr id="5" name="Title 4">
             <a:extLst>
               <a:ext uri="{FF2B5EF4-FFF2-40B4-BE49-F238E27FC236}">
-                <a16:creationId xmlns:a16="http://schemas.microsoft.com/office/drawing/2014/main" xmlns="" id="{8FBA75B4-2DD5-42EB-9397-F36BFB8BA723}"/>
+                <a16:creationId xmlns="" xmlns:a16="http://schemas.microsoft.com/office/drawing/2014/main" id="{8FBA75B4-2DD5-42EB-9397-F36BFB8BA723}"/>
               </a:ext>
             </a:extLst>
           </p:cNvPr>
@@ -5832,7 +5865,7 @@
           <p:cNvPr id="2" name="Content Placeholder 1">
             <a:extLst>
               <a:ext uri="{FF2B5EF4-FFF2-40B4-BE49-F238E27FC236}">
-                <a16:creationId xmlns:a16="http://schemas.microsoft.com/office/drawing/2014/main" xmlns="" id="{D3304455-6802-6CA9-8475-2F6DD1B8D409}"/>
+                <a16:creationId xmlns="" xmlns:a16="http://schemas.microsoft.com/office/drawing/2014/main" id="{D3304455-6802-6CA9-8475-2F6DD1B8D409}"/>
               </a:ext>
             </a:extLst>
           </p:cNvPr>
@@ -5905,7 +5938,7 @@
           <p:cNvPr id="5" name="Title 4">
             <a:extLst>
               <a:ext uri="{FF2B5EF4-FFF2-40B4-BE49-F238E27FC236}">
-                <a16:creationId xmlns:a16="http://schemas.microsoft.com/office/drawing/2014/main" xmlns="" id="{8FBA75B4-2DD5-42EB-9397-F36BFB8BA723}"/>
+                <a16:creationId xmlns="" xmlns:a16="http://schemas.microsoft.com/office/drawing/2014/main" id="{8FBA75B4-2DD5-42EB-9397-F36BFB8BA723}"/>
               </a:ext>
             </a:extLst>
           </p:cNvPr>
@@ -5943,7 +5976,7 @@
           <p:cNvPr id="2" name="Content Placeholder 1">
             <a:extLst>
               <a:ext uri="{FF2B5EF4-FFF2-40B4-BE49-F238E27FC236}">
-                <a16:creationId xmlns:a16="http://schemas.microsoft.com/office/drawing/2014/main" xmlns="" id="{005E46AB-32C4-4B57-A2B1-50738A64BE1B}"/>
+                <a16:creationId xmlns="" xmlns:a16="http://schemas.microsoft.com/office/drawing/2014/main" id="{005E46AB-32C4-4B57-A2B1-50738A64BE1B}"/>
               </a:ext>
             </a:extLst>
           </p:cNvPr>
@@ -6253,7 +6286,7 @@
   <a:extraClrSchemeLst/>
   <a:extLst>
     <a:ext uri="{05A4C25C-085E-4340-85A3-A5531E510DB2}">
-      <thm15:themeFamily xmlns:thm15="http://schemas.microsoft.com/office/thememl/2012/main" xmlns="" name="DividendVTI" id="{97558BDE-0B66-457C-BB6F-7B1B22DAA9B8}" vid="{F53508A3-AC60-448A-AF37-934D5F1A0D5E}"/>
+      <thm15:themeFamily xmlns="" xmlns:thm15="http://schemas.microsoft.com/office/thememl/2012/main" name="DividendVTI" id="{97558BDE-0B66-457C-BB6F-7B1B22DAA9B8}" vid="{F53508A3-AC60-448A-AF37-934D5F1A0D5E}"/>
     </a:ext>
   </a:extLst>
 </a:theme>
@@ -6548,19 +6581,19 @@
   <a:extraClrSchemeLst/>
   <a:extLst>
     <a:ext uri="{05A4C25C-085E-4340-85A3-A5531E510DB2}">
-      <thm15:themeFamily xmlns:thm15="http://schemas.microsoft.com/office/thememl/2012/main" xmlns="" name="Office Theme" id="{62F939B6-93AF-4DB8-9C6B-D6C7DFDC589F}" vid="{4A3C46E8-61CC-4603-A589-7422A47A8E4A}"/>
+      <thm15:themeFamily xmlns="" xmlns:thm15="http://schemas.microsoft.com/office/thememl/2012/main" name="Office Theme" id="{62F939B6-93AF-4DB8-9C6B-D6C7DFDC589F}" vid="{4A3C46E8-61CC-4603-A589-7422A47A8E4A}"/>
     </a:ext>
   </a:extLst>
 </a:theme>
 </file>
 
 <file path=customXml/item1.xml><?xml version="1.0" encoding="utf-8"?>
-<?mso-contentType ?>
-<FormTemplates xmlns="http://schemas.microsoft.com/sharepoint/v3/contenttype/forms">
-  <Display>DocumentLibraryForm</Display>
-  <Edit>DocumentLibraryForm</Edit>
-  <New>DocumentLibraryForm</New>
-</FormTemplates>
+<p:properties xmlns:p="http://schemas.microsoft.com/office/2006/metadata/properties" xmlns:xsi="http://www.w3.org/2001/XMLSchema-instance" xmlns:pc="http://schemas.microsoft.com/office/infopath/2007/PartnerControls">
+  <documentManagement>
+    <MediaServiceKeyPoints xmlns="9162bd5b-4ed9-4da3-b376-05204580ba3f" xsi:nil="true"/>
+    <_activity xmlns="9162bd5b-4ed9-4da3-b376-05204580ba3f" xsi:nil="true"/>
+  </documentManagement>
+</p:properties>
 </file>
 
 <file path=customXml/item2.xml><?xml version="1.0" encoding="utf-8"?>
@@ -6811,18 +6844,27 @@
 </file>
 
 <file path=customXml/item3.xml><?xml version="1.0" encoding="utf-8"?>
-<p:properties xmlns:p="http://schemas.microsoft.com/office/2006/metadata/properties" xmlns:xsi="http://www.w3.org/2001/XMLSchema-instance" xmlns:pc="http://schemas.microsoft.com/office/infopath/2007/PartnerControls">
-  <documentManagement>
-    <MediaServiceKeyPoints xmlns="9162bd5b-4ed9-4da3-b376-05204580ba3f" xsi:nil="true"/>
-    <_activity xmlns="9162bd5b-4ed9-4da3-b376-05204580ba3f" xsi:nil="true"/>
-  </documentManagement>
-</p:properties>
+<?mso-contentType ?>
+<FormTemplates xmlns="http://schemas.microsoft.com/sharepoint/v3/contenttype/forms">
+  <Display>DocumentLibraryForm</Display>
+  <Edit>DocumentLibraryForm</Edit>
+  <New>DocumentLibraryForm</New>
+</FormTemplates>
 </file>
 
 <file path=customXml/itemProps1.xml><?xml version="1.0" encoding="utf-8"?>
-<ds:datastoreItem xmlns:ds="http://schemas.openxmlformats.org/officeDocument/2006/customXml" ds:itemID="{927BD4C1-B6B1-4715-ABF9-E660A51A4EA0}">
+<ds:datastoreItem xmlns:ds="http://schemas.openxmlformats.org/officeDocument/2006/customXml" ds:itemID="{8D289AE2-D2AE-49D1-AFAC-3A79F6794255}">
   <ds:schemaRefs>
-    <ds:schemaRef ds:uri="http://schemas.microsoft.com/sharepoint/v3/contenttype/forms"/>
+    <ds:schemaRef ds:uri="http://purl.org/dc/elements/1.1/"/>
+    <ds:schemaRef ds:uri="http://purl.org/dc/terms/"/>
+    <ds:schemaRef ds:uri="9162bd5b-4ed9-4da3-b376-05204580ba3f"/>
+    <ds:schemaRef ds:uri="http://schemas.microsoft.com/office/2006/metadata/properties"/>
+    <ds:schemaRef ds:uri="http://schemas.microsoft.com/office/infopath/2007/PartnerControls"/>
+    <ds:schemaRef ds:uri="http://schemas.openxmlformats.org/package/2006/metadata/core-properties"/>
+    <ds:schemaRef ds:uri="http://schemas.microsoft.com/office/2006/documentManagement/types"/>
+    <ds:schemaRef ds:uri="c0fa2617-96bd-425d-8578-e93563fe37c5"/>
+    <ds:schemaRef ds:uri="http://www.w3.org/XML/1998/namespace"/>
+    <ds:schemaRef ds:uri="http://purl.org/dc/dcmitype/"/>
   </ds:schemaRefs>
 </ds:datastoreItem>
 </file>
@@ -6847,18 +6889,9 @@
 </file>
 
 <file path=customXml/itemProps3.xml><?xml version="1.0" encoding="utf-8"?>
-<ds:datastoreItem xmlns:ds="http://schemas.openxmlformats.org/officeDocument/2006/customXml" ds:itemID="{8D289AE2-D2AE-49D1-AFAC-3A79F6794255}">
+<ds:datastoreItem xmlns:ds="http://schemas.openxmlformats.org/officeDocument/2006/customXml" ds:itemID="{927BD4C1-B6B1-4715-ABF9-E660A51A4EA0}">
   <ds:schemaRefs>
-    <ds:schemaRef ds:uri="http://purl.org/dc/elements/1.1/"/>
-    <ds:schemaRef ds:uri="http://purl.org/dc/terms/"/>
-    <ds:schemaRef ds:uri="9162bd5b-4ed9-4da3-b376-05204580ba3f"/>
-    <ds:schemaRef ds:uri="http://schemas.microsoft.com/office/2006/metadata/properties"/>
-    <ds:schemaRef ds:uri="http://schemas.microsoft.com/office/infopath/2007/PartnerControls"/>
-    <ds:schemaRef ds:uri="http://schemas.openxmlformats.org/package/2006/metadata/core-properties"/>
-    <ds:schemaRef ds:uri="http://schemas.microsoft.com/office/2006/documentManagement/types"/>
-    <ds:schemaRef ds:uri="c0fa2617-96bd-425d-8578-e93563fe37c5"/>
-    <ds:schemaRef ds:uri="http://www.w3.org/XML/1998/namespace"/>
-    <ds:schemaRef ds:uri="http://purl.org/dc/dcmitype/"/>
+    <ds:schemaRef ds:uri="http://schemas.microsoft.com/sharepoint/v3/contenttype/forms"/>
   </ds:schemaRefs>
 </ds:datastoreItem>
 </file>